--- a/Introduction_slide.pptx
+++ b/Introduction_slide.pptx
@@ -3529,14 +3529,14 @@
           <a:bodyPr/>
           <a:lstStyle/>
           <a:p>
-            <a:pPr lvl="0" indent="0">
+            <a:pPr lvl="0" indent="0" marL="0">
               <a:buNone/>
             </a:pPr>
             <a:r>
               <a:rPr>
-                <a:latin typeface="Courier"/>
+                <a:hlinkClick r:id="rId2"/>
               </a:rPr>
-              <a:t>[CV Link](CV.pdf)</a:t>
+              <a:t>My CV Link</a:t>
             </a:r>
           </a:p>
         </p:txBody>
